--- a/ppt 16-9/0646.主是道路.pptx
+++ b/ppt 16-9/0646.主是道路.pptx
@@ -5,7 +5,7 @@
     <p:sldMasterId id="2147483648" r:id="rId1"/>
   </p:sldMasterIdLst>
   <p:sldIdLst>
-    <p:sldId id="2446" r:id="rId2"/>
+    <p:sldId id="2447" r:id="rId2"/>
   </p:sldIdLst>
   <p:sldSz cx="12192000" cy="6858000"/>
   <p:notesSz cx="6858000" cy="9144000"/>
@@ -129,7 +129,7 @@
           <p:cNvPr id="2" name="标题 1">
             <a:extLst>
               <a:ext uri="{FF2B5EF4-FFF2-40B4-BE49-F238E27FC236}">
-                <a16:creationId xmlns:a16="http://schemas.microsoft.com/office/drawing/2014/main" id="{1AFD3C82-8DCE-17F9-CD91-72311EA0B392}"/>
+                <a16:creationId xmlns:a16="http://schemas.microsoft.com/office/drawing/2014/main" id="{E493F007-B00F-1CB1-48DC-4B000CAA2EB4}"/>
               </a:ext>
             </a:extLst>
           </p:cNvPr>
@@ -166,7 +166,7 @@
           <p:cNvPr id="3" name="副标题 2">
             <a:extLst>
               <a:ext uri="{FF2B5EF4-FFF2-40B4-BE49-F238E27FC236}">
-                <a16:creationId xmlns:a16="http://schemas.microsoft.com/office/drawing/2014/main" id="{27CF4724-CE2E-BEA9-0195-BF243D1A02F6}"/>
+                <a16:creationId xmlns:a16="http://schemas.microsoft.com/office/drawing/2014/main" id="{234D44CF-472A-BE70-EB11-06AA80B2B2DC}"/>
               </a:ext>
             </a:extLst>
           </p:cNvPr>
@@ -236,7 +236,7 @@
           <p:cNvPr id="4" name="日期占位符 3">
             <a:extLst>
               <a:ext uri="{FF2B5EF4-FFF2-40B4-BE49-F238E27FC236}">
-                <a16:creationId xmlns:a16="http://schemas.microsoft.com/office/drawing/2014/main" id="{A3914F0E-9D44-4485-41E5-102B417CC7B4}"/>
+                <a16:creationId xmlns:a16="http://schemas.microsoft.com/office/drawing/2014/main" id="{156CE5F4-FF2B-70DE-F382-292DFE228556}"/>
               </a:ext>
             </a:extLst>
           </p:cNvPr>
@@ -252,7 +252,7 @@
           <a:bodyPr/>
           <a:lstStyle/>
           <a:p>
-            <a:fld id="{64547A07-EC27-4319-B5CE-337548A4D93F}" type="datetimeFigureOut">
+            <a:fld id="{C04C7DDE-9E59-46CF-81B9-DEEAE282799D}" type="datetimeFigureOut">
               <a:rPr lang="zh-CN" altLang="en-US" smtClean="0"/>
               <a:t>2024/3/10</a:t>
             </a:fld>
@@ -265,7 +265,7 @@
           <p:cNvPr id="5" name="页脚占位符 4">
             <a:extLst>
               <a:ext uri="{FF2B5EF4-FFF2-40B4-BE49-F238E27FC236}">
-                <a16:creationId xmlns:a16="http://schemas.microsoft.com/office/drawing/2014/main" id="{B8619FED-04D0-9D74-617F-C60288762211}"/>
+                <a16:creationId xmlns:a16="http://schemas.microsoft.com/office/drawing/2014/main" id="{4E163424-1C26-6809-335F-B3EE93B7F80B}"/>
               </a:ext>
             </a:extLst>
           </p:cNvPr>
@@ -290,7 +290,7 @@
           <p:cNvPr id="6" name="灯片编号占位符 5">
             <a:extLst>
               <a:ext uri="{FF2B5EF4-FFF2-40B4-BE49-F238E27FC236}">
-                <a16:creationId xmlns:a16="http://schemas.microsoft.com/office/drawing/2014/main" id="{9D3B57F5-BB29-0D52-CB88-D3D2A574531D}"/>
+                <a16:creationId xmlns:a16="http://schemas.microsoft.com/office/drawing/2014/main" id="{5252810A-B350-0233-ACBB-344C714A357E}"/>
               </a:ext>
             </a:extLst>
           </p:cNvPr>
@@ -306,7 +306,7 @@
           <a:bodyPr/>
           <a:lstStyle/>
           <a:p>
-            <a:fld id="{5C2FA383-39DB-4C98-B8BF-CCE8E76B5090}" type="slidenum">
+            <a:fld id="{3FB960E6-0CDD-46D8-AE67-CB6705D705D2}" type="slidenum">
               <a:rPr lang="zh-CN" altLang="en-US" smtClean="0"/>
               <a:t>‹#›</a:t>
             </a:fld>
@@ -317,7 +317,7 @@
     </p:spTree>
     <p:extLst>
       <p:ext uri="{BB962C8B-B14F-4D97-AF65-F5344CB8AC3E}">
-        <p14:creationId xmlns:p14="http://schemas.microsoft.com/office/powerpoint/2010/main" val="973420566"/>
+        <p14:creationId xmlns:p14="http://schemas.microsoft.com/office/powerpoint/2010/main" val="1903787413"/>
       </p:ext>
     </p:extLst>
   </p:cSld>
@@ -349,7 +349,7 @@
           <p:cNvPr id="2" name="标题 1">
             <a:extLst>
               <a:ext uri="{FF2B5EF4-FFF2-40B4-BE49-F238E27FC236}">
-                <a16:creationId xmlns:a16="http://schemas.microsoft.com/office/drawing/2014/main" id="{F85D1946-83C8-33D4-3BB5-DC5314B24740}"/>
+                <a16:creationId xmlns:a16="http://schemas.microsoft.com/office/drawing/2014/main" id="{9B00C176-2373-1050-16C0-D9854636AAEE}"/>
               </a:ext>
             </a:extLst>
           </p:cNvPr>
@@ -377,7 +377,7 @@
           <p:cNvPr id="3" name="竖排文字占位符 2">
             <a:extLst>
               <a:ext uri="{FF2B5EF4-FFF2-40B4-BE49-F238E27FC236}">
-                <a16:creationId xmlns:a16="http://schemas.microsoft.com/office/drawing/2014/main" id="{C0D34CE5-4E10-3371-B2D5-B59284BC964B}"/>
+                <a16:creationId xmlns:a16="http://schemas.microsoft.com/office/drawing/2014/main" id="{7ED33D8E-9192-F1D5-B711-7C36C964A02D}"/>
               </a:ext>
             </a:extLst>
           </p:cNvPr>
@@ -434,7 +434,7 @@
           <p:cNvPr id="4" name="日期占位符 3">
             <a:extLst>
               <a:ext uri="{FF2B5EF4-FFF2-40B4-BE49-F238E27FC236}">
-                <a16:creationId xmlns:a16="http://schemas.microsoft.com/office/drawing/2014/main" id="{4313B6AC-05F8-A4F4-56DC-4527AA9784D4}"/>
+                <a16:creationId xmlns:a16="http://schemas.microsoft.com/office/drawing/2014/main" id="{E0782FA9-EA69-C9A8-57FB-804EBB24BBCC}"/>
               </a:ext>
             </a:extLst>
           </p:cNvPr>
@@ -450,7 +450,7 @@
           <a:bodyPr/>
           <a:lstStyle/>
           <a:p>
-            <a:fld id="{64547A07-EC27-4319-B5CE-337548A4D93F}" type="datetimeFigureOut">
+            <a:fld id="{C04C7DDE-9E59-46CF-81B9-DEEAE282799D}" type="datetimeFigureOut">
               <a:rPr lang="zh-CN" altLang="en-US" smtClean="0"/>
               <a:t>2024/3/10</a:t>
             </a:fld>
@@ -463,7 +463,7 @@
           <p:cNvPr id="5" name="页脚占位符 4">
             <a:extLst>
               <a:ext uri="{FF2B5EF4-FFF2-40B4-BE49-F238E27FC236}">
-                <a16:creationId xmlns:a16="http://schemas.microsoft.com/office/drawing/2014/main" id="{A45260F0-3A12-187C-2ADC-63B992D52219}"/>
+                <a16:creationId xmlns:a16="http://schemas.microsoft.com/office/drawing/2014/main" id="{67C889CA-5A2C-F8EC-5C3D-E693EF6F9292}"/>
               </a:ext>
             </a:extLst>
           </p:cNvPr>
@@ -488,7 +488,7 @@
           <p:cNvPr id="6" name="灯片编号占位符 5">
             <a:extLst>
               <a:ext uri="{FF2B5EF4-FFF2-40B4-BE49-F238E27FC236}">
-                <a16:creationId xmlns:a16="http://schemas.microsoft.com/office/drawing/2014/main" id="{84006B74-E227-8A62-617C-F7C783E6B830}"/>
+                <a16:creationId xmlns:a16="http://schemas.microsoft.com/office/drawing/2014/main" id="{BD5519D0-788E-0238-4229-FF4F7D422F37}"/>
               </a:ext>
             </a:extLst>
           </p:cNvPr>
@@ -504,7 +504,7 @@
           <a:bodyPr/>
           <a:lstStyle/>
           <a:p>
-            <a:fld id="{5C2FA383-39DB-4C98-B8BF-CCE8E76B5090}" type="slidenum">
+            <a:fld id="{3FB960E6-0CDD-46D8-AE67-CB6705D705D2}" type="slidenum">
               <a:rPr lang="zh-CN" altLang="en-US" smtClean="0"/>
               <a:t>‹#›</a:t>
             </a:fld>
@@ -515,7 +515,7 @@
     </p:spTree>
     <p:extLst>
       <p:ext uri="{BB962C8B-B14F-4D97-AF65-F5344CB8AC3E}">
-        <p14:creationId xmlns:p14="http://schemas.microsoft.com/office/powerpoint/2010/main" val="2562635382"/>
+        <p14:creationId xmlns:p14="http://schemas.microsoft.com/office/powerpoint/2010/main" val="2647172755"/>
       </p:ext>
     </p:extLst>
   </p:cSld>
@@ -547,7 +547,7 @@
           <p:cNvPr id="2" name="竖排标题 1">
             <a:extLst>
               <a:ext uri="{FF2B5EF4-FFF2-40B4-BE49-F238E27FC236}">
-                <a16:creationId xmlns:a16="http://schemas.microsoft.com/office/drawing/2014/main" id="{2395207D-ABD7-0A0C-9798-CE8423EBBC20}"/>
+                <a16:creationId xmlns:a16="http://schemas.microsoft.com/office/drawing/2014/main" id="{12BE1B87-90DB-7CA8-BD66-09585B7B4658}"/>
               </a:ext>
             </a:extLst>
           </p:cNvPr>
@@ -580,7 +580,7 @@
           <p:cNvPr id="3" name="竖排文字占位符 2">
             <a:extLst>
               <a:ext uri="{FF2B5EF4-FFF2-40B4-BE49-F238E27FC236}">
-                <a16:creationId xmlns:a16="http://schemas.microsoft.com/office/drawing/2014/main" id="{178FD97A-05A3-0406-CCD9-2F47E48649C3}"/>
+                <a16:creationId xmlns:a16="http://schemas.microsoft.com/office/drawing/2014/main" id="{02DBD745-BF95-484F-EEA0-B5380D795BD7}"/>
               </a:ext>
             </a:extLst>
           </p:cNvPr>
@@ -642,7 +642,7 @@
           <p:cNvPr id="4" name="日期占位符 3">
             <a:extLst>
               <a:ext uri="{FF2B5EF4-FFF2-40B4-BE49-F238E27FC236}">
-                <a16:creationId xmlns:a16="http://schemas.microsoft.com/office/drawing/2014/main" id="{D64D6E9A-CD56-78C2-4127-75DE2BBE6229}"/>
+                <a16:creationId xmlns:a16="http://schemas.microsoft.com/office/drawing/2014/main" id="{51F1510D-4EB5-3CE9-CD4F-6FF66122B91F}"/>
               </a:ext>
             </a:extLst>
           </p:cNvPr>
@@ -658,7 +658,7 @@
           <a:bodyPr/>
           <a:lstStyle/>
           <a:p>
-            <a:fld id="{64547A07-EC27-4319-B5CE-337548A4D93F}" type="datetimeFigureOut">
+            <a:fld id="{C04C7DDE-9E59-46CF-81B9-DEEAE282799D}" type="datetimeFigureOut">
               <a:rPr lang="zh-CN" altLang="en-US" smtClean="0"/>
               <a:t>2024/3/10</a:t>
             </a:fld>
@@ -671,7 +671,7 @@
           <p:cNvPr id="5" name="页脚占位符 4">
             <a:extLst>
               <a:ext uri="{FF2B5EF4-FFF2-40B4-BE49-F238E27FC236}">
-                <a16:creationId xmlns:a16="http://schemas.microsoft.com/office/drawing/2014/main" id="{7B0C09F8-E98F-370D-065A-C9B0F0983934}"/>
+                <a16:creationId xmlns:a16="http://schemas.microsoft.com/office/drawing/2014/main" id="{88ED1F9E-EF98-84F4-4EAD-985C2A57F7BE}"/>
               </a:ext>
             </a:extLst>
           </p:cNvPr>
@@ -696,7 +696,7 @@
           <p:cNvPr id="6" name="灯片编号占位符 5">
             <a:extLst>
               <a:ext uri="{FF2B5EF4-FFF2-40B4-BE49-F238E27FC236}">
-                <a16:creationId xmlns:a16="http://schemas.microsoft.com/office/drawing/2014/main" id="{D1745486-7CF3-6AD5-0A29-8142B66E6776}"/>
+                <a16:creationId xmlns:a16="http://schemas.microsoft.com/office/drawing/2014/main" id="{1A19FC1F-0844-55E6-EF42-312CF67DCF0E}"/>
               </a:ext>
             </a:extLst>
           </p:cNvPr>
@@ -712,7 +712,7 @@
           <a:bodyPr/>
           <a:lstStyle/>
           <a:p>
-            <a:fld id="{5C2FA383-39DB-4C98-B8BF-CCE8E76B5090}" type="slidenum">
+            <a:fld id="{3FB960E6-0CDD-46D8-AE67-CB6705D705D2}" type="slidenum">
               <a:rPr lang="zh-CN" altLang="en-US" smtClean="0"/>
               <a:t>‹#›</a:t>
             </a:fld>
@@ -723,7 +723,7 @@
     </p:spTree>
     <p:extLst>
       <p:ext uri="{BB962C8B-B14F-4D97-AF65-F5344CB8AC3E}">
-        <p14:creationId xmlns:p14="http://schemas.microsoft.com/office/powerpoint/2010/main" val="3567138470"/>
+        <p14:creationId xmlns:p14="http://schemas.microsoft.com/office/powerpoint/2010/main" val="1329438269"/>
       </p:ext>
     </p:extLst>
   </p:cSld>
@@ -755,7 +755,7 @@
           <p:cNvPr id="2" name="标题 1">
             <a:extLst>
               <a:ext uri="{FF2B5EF4-FFF2-40B4-BE49-F238E27FC236}">
-                <a16:creationId xmlns:a16="http://schemas.microsoft.com/office/drawing/2014/main" id="{B6EFF6D2-CC30-531D-0093-047D30095B06}"/>
+                <a16:creationId xmlns:a16="http://schemas.microsoft.com/office/drawing/2014/main" id="{50F102F4-65B4-E007-A9F7-F923B9416185}"/>
               </a:ext>
             </a:extLst>
           </p:cNvPr>
@@ -783,7 +783,7 @@
           <p:cNvPr id="3" name="内容占位符 2">
             <a:extLst>
               <a:ext uri="{FF2B5EF4-FFF2-40B4-BE49-F238E27FC236}">
-                <a16:creationId xmlns:a16="http://schemas.microsoft.com/office/drawing/2014/main" id="{9EEB5925-D5FD-72F4-60F7-884124D9ECB3}"/>
+                <a16:creationId xmlns:a16="http://schemas.microsoft.com/office/drawing/2014/main" id="{511D15D2-FE97-0956-965B-62A81EEA5E6A}"/>
               </a:ext>
             </a:extLst>
           </p:cNvPr>
@@ -840,7 +840,7 @@
           <p:cNvPr id="4" name="日期占位符 3">
             <a:extLst>
               <a:ext uri="{FF2B5EF4-FFF2-40B4-BE49-F238E27FC236}">
-                <a16:creationId xmlns:a16="http://schemas.microsoft.com/office/drawing/2014/main" id="{D8DB8BB9-1815-C91B-D432-0898A27C5498}"/>
+                <a16:creationId xmlns:a16="http://schemas.microsoft.com/office/drawing/2014/main" id="{4ECFE48F-4881-495A-4D7B-D719A9DC2733}"/>
               </a:ext>
             </a:extLst>
           </p:cNvPr>
@@ -856,7 +856,7 @@
           <a:bodyPr/>
           <a:lstStyle/>
           <a:p>
-            <a:fld id="{64547A07-EC27-4319-B5CE-337548A4D93F}" type="datetimeFigureOut">
+            <a:fld id="{C04C7DDE-9E59-46CF-81B9-DEEAE282799D}" type="datetimeFigureOut">
               <a:rPr lang="zh-CN" altLang="en-US" smtClean="0"/>
               <a:t>2024/3/10</a:t>
             </a:fld>
@@ -869,7 +869,7 @@
           <p:cNvPr id="5" name="页脚占位符 4">
             <a:extLst>
               <a:ext uri="{FF2B5EF4-FFF2-40B4-BE49-F238E27FC236}">
-                <a16:creationId xmlns:a16="http://schemas.microsoft.com/office/drawing/2014/main" id="{9CCA4B4C-AC7F-E189-3F74-8FC2B6ED1379}"/>
+                <a16:creationId xmlns:a16="http://schemas.microsoft.com/office/drawing/2014/main" id="{5ABEEA4F-571A-8ADA-BC84-C1589351CB8E}"/>
               </a:ext>
             </a:extLst>
           </p:cNvPr>
@@ -894,7 +894,7 @@
           <p:cNvPr id="6" name="灯片编号占位符 5">
             <a:extLst>
               <a:ext uri="{FF2B5EF4-FFF2-40B4-BE49-F238E27FC236}">
-                <a16:creationId xmlns:a16="http://schemas.microsoft.com/office/drawing/2014/main" id="{BD3AA73D-4120-E6F2-B322-96F20B2AC159}"/>
+                <a16:creationId xmlns:a16="http://schemas.microsoft.com/office/drawing/2014/main" id="{4F046FAC-CE93-11DE-8F2E-123465273E2E}"/>
               </a:ext>
             </a:extLst>
           </p:cNvPr>
@@ -910,7 +910,7 @@
           <a:bodyPr/>
           <a:lstStyle/>
           <a:p>
-            <a:fld id="{5C2FA383-39DB-4C98-B8BF-CCE8E76B5090}" type="slidenum">
+            <a:fld id="{3FB960E6-0CDD-46D8-AE67-CB6705D705D2}" type="slidenum">
               <a:rPr lang="zh-CN" altLang="en-US" smtClean="0"/>
               <a:t>‹#›</a:t>
             </a:fld>
@@ -921,7 +921,7 @@
     </p:spTree>
     <p:extLst>
       <p:ext uri="{BB962C8B-B14F-4D97-AF65-F5344CB8AC3E}">
-        <p14:creationId xmlns:p14="http://schemas.microsoft.com/office/powerpoint/2010/main" val="3884866498"/>
+        <p14:creationId xmlns:p14="http://schemas.microsoft.com/office/powerpoint/2010/main" val="1149901034"/>
       </p:ext>
     </p:extLst>
   </p:cSld>
@@ -953,7 +953,7 @@
           <p:cNvPr id="2" name="标题 1">
             <a:extLst>
               <a:ext uri="{FF2B5EF4-FFF2-40B4-BE49-F238E27FC236}">
-                <a16:creationId xmlns:a16="http://schemas.microsoft.com/office/drawing/2014/main" id="{40C3B6EC-2067-F716-75EC-767C9A3C8657}"/>
+                <a16:creationId xmlns:a16="http://schemas.microsoft.com/office/drawing/2014/main" id="{047F5D00-A123-7779-B546-329B6FEA5188}"/>
               </a:ext>
             </a:extLst>
           </p:cNvPr>
@@ -990,7 +990,7 @@
           <p:cNvPr id="3" name="文本占位符 2">
             <a:extLst>
               <a:ext uri="{FF2B5EF4-FFF2-40B4-BE49-F238E27FC236}">
-                <a16:creationId xmlns:a16="http://schemas.microsoft.com/office/drawing/2014/main" id="{D6FA546C-0119-0330-5BE8-FE81E66B6D34}"/>
+                <a16:creationId xmlns:a16="http://schemas.microsoft.com/office/drawing/2014/main" id="{A8D8CBE5-A02E-D410-29FC-EB605EB48F12}"/>
               </a:ext>
             </a:extLst>
           </p:cNvPr>
@@ -1115,7 +1115,7 @@
           <p:cNvPr id="4" name="日期占位符 3">
             <a:extLst>
               <a:ext uri="{FF2B5EF4-FFF2-40B4-BE49-F238E27FC236}">
-                <a16:creationId xmlns:a16="http://schemas.microsoft.com/office/drawing/2014/main" id="{42087BE2-5F4F-06A5-9A00-0871731E4AFE}"/>
+                <a16:creationId xmlns:a16="http://schemas.microsoft.com/office/drawing/2014/main" id="{808B1A0B-FA36-A911-846B-C0FE378B3F61}"/>
               </a:ext>
             </a:extLst>
           </p:cNvPr>
@@ -1131,7 +1131,7 @@
           <a:bodyPr/>
           <a:lstStyle/>
           <a:p>
-            <a:fld id="{64547A07-EC27-4319-B5CE-337548A4D93F}" type="datetimeFigureOut">
+            <a:fld id="{C04C7DDE-9E59-46CF-81B9-DEEAE282799D}" type="datetimeFigureOut">
               <a:rPr lang="zh-CN" altLang="en-US" smtClean="0"/>
               <a:t>2024/3/10</a:t>
             </a:fld>
@@ -1144,7 +1144,7 @@
           <p:cNvPr id="5" name="页脚占位符 4">
             <a:extLst>
               <a:ext uri="{FF2B5EF4-FFF2-40B4-BE49-F238E27FC236}">
-                <a16:creationId xmlns:a16="http://schemas.microsoft.com/office/drawing/2014/main" id="{E5A188E8-7DAF-71F6-9807-F16CE1D1EF79}"/>
+                <a16:creationId xmlns:a16="http://schemas.microsoft.com/office/drawing/2014/main" id="{DDC9E0BD-1033-DAD1-86C9-2DC4A6F7A92F}"/>
               </a:ext>
             </a:extLst>
           </p:cNvPr>
@@ -1169,7 +1169,7 @@
           <p:cNvPr id="6" name="灯片编号占位符 5">
             <a:extLst>
               <a:ext uri="{FF2B5EF4-FFF2-40B4-BE49-F238E27FC236}">
-                <a16:creationId xmlns:a16="http://schemas.microsoft.com/office/drawing/2014/main" id="{A2FB0B06-EF42-3B85-71CC-E48A9D7E07DA}"/>
+                <a16:creationId xmlns:a16="http://schemas.microsoft.com/office/drawing/2014/main" id="{6F4EB10B-0E77-EA81-E577-33553F3605BA}"/>
               </a:ext>
             </a:extLst>
           </p:cNvPr>
@@ -1185,7 +1185,7 @@
           <a:bodyPr/>
           <a:lstStyle/>
           <a:p>
-            <a:fld id="{5C2FA383-39DB-4C98-B8BF-CCE8E76B5090}" type="slidenum">
+            <a:fld id="{3FB960E6-0CDD-46D8-AE67-CB6705D705D2}" type="slidenum">
               <a:rPr lang="zh-CN" altLang="en-US" smtClean="0"/>
               <a:t>‹#›</a:t>
             </a:fld>
@@ -1196,7 +1196,7 @@
     </p:spTree>
     <p:extLst>
       <p:ext uri="{BB962C8B-B14F-4D97-AF65-F5344CB8AC3E}">
-        <p14:creationId xmlns:p14="http://schemas.microsoft.com/office/powerpoint/2010/main" val="3479976557"/>
+        <p14:creationId xmlns:p14="http://schemas.microsoft.com/office/powerpoint/2010/main" val="1122071513"/>
       </p:ext>
     </p:extLst>
   </p:cSld>
@@ -1228,7 +1228,7 @@
           <p:cNvPr id="2" name="标题 1">
             <a:extLst>
               <a:ext uri="{FF2B5EF4-FFF2-40B4-BE49-F238E27FC236}">
-                <a16:creationId xmlns:a16="http://schemas.microsoft.com/office/drawing/2014/main" id="{FD1E5F66-69DA-5646-B61B-73233A080E8D}"/>
+                <a16:creationId xmlns:a16="http://schemas.microsoft.com/office/drawing/2014/main" id="{8AA4AD7D-6E29-2101-28E4-96E50AFAE94A}"/>
               </a:ext>
             </a:extLst>
           </p:cNvPr>
@@ -1256,7 +1256,7 @@
           <p:cNvPr id="3" name="内容占位符 2">
             <a:extLst>
               <a:ext uri="{FF2B5EF4-FFF2-40B4-BE49-F238E27FC236}">
-                <a16:creationId xmlns:a16="http://schemas.microsoft.com/office/drawing/2014/main" id="{B4B0504B-0D77-2467-1174-EBD2052DC0A6}"/>
+                <a16:creationId xmlns:a16="http://schemas.microsoft.com/office/drawing/2014/main" id="{147D6461-0352-CDC5-1AB3-0BD5AEBAC725}"/>
               </a:ext>
             </a:extLst>
           </p:cNvPr>
@@ -1318,7 +1318,7 @@
           <p:cNvPr id="4" name="内容占位符 3">
             <a:extLst>
               <a:ext uri="{FF2B5EF4-FFF2-40B4-BE49-F238E27FC236}">
-                <a16:creationId xmlns:a16="http://schemas.microsoft.com/office/drawing/2014/main" id="{22348F00-8769-3EC3-4D5A-32C332B2BA20}"/>
+                <a16:creationId xmlns:a16="http://schemas.microsoft.com/office/drawing/2014/main" id="{8A6E6317-49FE-6495-7D84-6EC8F9330730}"/>
               </a:ext>
             </a:extLst>
           </p:cNvPr>
@@ -1380,7 +1380,7 @@
           <p:cNvPr id="5" name="日期占位符 4">
             <a:extLst>
               <a:ext uri="{FF2B5EF4-FFF2-40B4-BE49-F238E27FC236}">
-                <a16:creationId xmlns:a16="http://schemas.microsoft.com/office/drawing/2014/main" id="{6A53BEC8-51DE-14B0-5901-C2BCE3722C1E}"/>
+                <a16:creationId xmlns:a16="http://schemas.microsoft.com/office/drawing/2014/main" id="{4AE26FFE-5B39-B3F4-9427-7E9994206456}"/>
               </a:ext>
             </a:extLst>
           </p:cNvPr>
@@ -1396,7 +1396,7 @@
           <a:bodyPr/>
           <a:lstStyle/>
           <a:p>
-            <a:fld id="{64547A07-EC27-4319-B5CE-337548A4D93F}" type="datetimeFigureOut">
+            <a:fld id="{C04C7DDE-9E59-46CF-81B9-DEEAE282799D}" type="datetimeFigureOut">
               <a:rPr lang="zh-CN" altLang="en-US" smtClean="0"/>
               <a:t>2024/3/10</a:t>
             </a:fld>
@@ -1409,7 +1409,7 @@
           <p:cNvPr id="6" name="页脚占位符 5">
             <a:extLst>
               <a:ext uri="{FF2B5EF4-FFF2-40B4-BE49-F238E27FC236}">
-                <a16:creationId xmlns:a16="http://schemas.microsoft.com/office/drawing/2014/main" id="{7E80EBD4-4658-0E6F-73BA-DC190B52D7BF}"/>
+                <a16:creationId xmlns:a16="http://schemas.microsoft.com/office/drawing/2014/main" id="{68F6B831-1D0F-FF6C-A514-3D276CEEF943}"/>
               </a:ext>
             </a:extLst>
           </p:cNvPr>
@@ -1434,7 +1434,7 @@
           <p:cNvPr id="7" name="灯片编号占位符 6">
             <a:extLst>
               <a:ext uri="{FF2B5EF4-FFF2-40B4-BE49-F238E27FC236}">
-                <a16:creationId xmlns:a16="http://schemas.microsoft.com/office/drawing/2014/main" id="{01CE8F5F-B07F-12D1-E9EF-79304B7444A0}"/>
+                <a16:creationId xmlns:a16="http://schemas.microsoft.com/office/drawing/2014/main" id="{0CC24148-E1C9-454B-4897-ACECC7663637}"/>
               </a:ext>
             </a:extLst>
           </p:cNvPr>
@@ -1450,7 +1450,7 @@
           <a:bodyPr/>
           <a:lstStyle/>
           <a:p>
-            <a:fld id="{5C2FA383-39DB-4C98-B8BF-CCE8E76B5090}" type="slidenum">
+            <a:fld id="{3FB960E6-0CDD-46D8-AE67-CB6705D705D2}" type="slidenum">
               <a:rPr lang="zh-CN" altLang="en-US" smtClean="0"/>
               <a:t>‹#›</a:t>
             </a:fld>
@@ -1461,7 +1461,7 @@
     </p:spTree>
     <p:extLst>
       <p:ext uri="{BB962C8B-B14F-4D97-AF65-F5344CB8AC3E}">
-        <p14:creationId xmlns:p14="http://schemas.microsoft.com/office/powerpoint/2010/main" val="1420998169"/>
+        <p14:creationId xmlns:p14="http://schemas.microsoft.com/office/powerpoint/2010/main" val="2384040667"/>
       </p:ext>
     </p:extLst>
   </p:cSld>
@@ -1493,7 +1493,7 @@
           <p:cNvPr id="2" name="标题 1">
             <a:extLst>
               <a:ext uri="{FF2B5EF4-FFF2-40B4-BE49-F238E27FC236}">
-                <a16:creationId xmlns:a16="http://schemas.microsoft.com/office/drawing/2014/main" id="{96A7A1A7-9311-034E-798E-9216CE34CD7A}"/>
+                <a16:creationId xmlns:a16="http://schemas.microsoft.com/office/drawing/2014/main" id="{92E145D0-AF3D-B148-F8AA-58DF4D1B921E}"/>
               </a:ext>
             </a:extLst>
           </p:cNvPr>
@@ -1526,7 +1526,7 @@
           <p:cNvPr id="3" name="文本占位符 2">
             <a:extLst>
               <a:ext uri="{FF2B5EF4-FFF2-40B4-BE49-F238E27FC236}">
-                <a16:creationId xmlns:a16="http://schemas.microsoft.com/office/drawing/2014/main" id="{79C08533-C727-E7D1-7F5D-0977907739C0}"/>
+                <a16:creationId xmlns:a16="http://schemas.microsoft.com/office/drawing/2014/main" id="{4BBB1345-6124-F7D5-6830-8A84D1F6AB49}"/>
               </a:ext>
             </a:extLst>
           </p:cNvPr>
@@ -1597,7 +1597,7 @@
           <p:cNvPr id="4" name="内容占位符 3">
             <a:extLst>
               <a:ext uri="{FF2B5EF4-FFF2-40B4-BE49-F238E27FC236}">
-                <a16:creationId xmlns:a16="http://schemas.microsoft.com/office/drawing/2014/main" id="{55AFDD14-05E8-97C7-70BA-3889056AA5B0}"/>
+                <a16:creationId xmlns:a16="http://schemas.microsoft.com/office/drawing/2014/main" id="{0CA908D6-9722-7971-F798-43F4DD7552A1}"/>
               </a:ext>
             </a:extLst>
           </p:cNvPr>
@@ -1659,7 +1659,7 @@
           <p:cNvPr id="5" name="文本占位符 4">
             <a:extLst>
               <a:ext uri="{FF2B5EF4-FFF2-40B4-BE49-F238E27FC236}">
-                <a16:creationId xmlns:a16="http://schemas.microsoft.com/office/drawing/2014/main" id="{CCD1BB60-494D-8015-1505-69042E4833EA}"/>
+                <a16:creationId xmlns:a16="http://schemas.microsoft.com/office/drawing/2014/main" id="{84F28A4C-E040-1790-12FD-8DC1AD43D0A2}"/>
               </a:ext>
             </a:extLst>
           </p:cNvPr>
@@ -1730,7 +1730,7 @@
           <p:cNvPr id="6" name="内容占位符 5">
             <a:extLst>
               <a:ext uri="{FF2B5EF4-FFF2-40B4-BE49-F238E27FC236}">
-                <a16:creationId xmlns:a16="http://schemas.microsoft.com/office/drawing/2014/main" id="{A50AB2FE-139F-71E6-1DDF-FC5B7C5BA0C4}"/>
+                <a16:creationId xmlns:a16="http://schemas.microsoft.com/office/drawing/2014/main" id="{E36D0BE1-CE0E-7A80-5462-AB55136582EC}"/>
               </a:ext>
             </a:extLst>
           </p:cNvPr>
@@ -1792,7 +1792,7 @@
           <p:cNvPr id="7" name="日期占位符 6">
             <a:extLst>
               <a:ext uri="{FF2B5EF4-FFF2-40B4-BE49-F238E27FC236}">
-                <a16:creationId xmlns:a16="http://schemas.microsoft.com/office/drawing/2014/main" id="{CE111602-09D5-8E3B-A170-8BE72F4FBCC7}"/>
+                <a16:creationId xmlns:a16="http://schemas.microsoft.com/office/drawing/2014/main" id="{2F2DB208-83EE-4F45-2306-8A08B77BEDEA}"/>
               </a:ext>
             </a:extLst>
           </p:cNvPr>
@@ -1808,7 +1808,7 @@
           <a:bodyPr/>
           <a:lstStyle/>
           <a:p>
-            <a:fld id="{64547A07-EC27-4319-B5CE-337548A4D93F}" type="datetimeFigureOut">
+            <a:fld id="{C04C7DDE-9E59-46CF-81B9-DEEAE282799D}" type="datetimeFigureOut">
               <a:rPr lang="zh-CN" altLang="en-US" smtClean="0"/>
               <a:t>2024/3/10</a:t>
             </a:fld>
@@ -1821,7 +1821,7 @@
           <p:cNvPr id="8" name="页脚占位符 7">
             <a:extLst>
               <a:ext uri="{FF2B5EF4-FFF2-40B4-BE49-F238E27FC236}">
-                <a16:creationId xmlns:a16="http://schemas.microsoft.com/office/drawing/2014/main" id="{D1828026-A5BE-F0BC-075D-735BBE451AF9}"/>
+                <a16:creationId xmlns:a16="http://schemas.microsoft.com/office/drawing/2014/main" id="{500D5B37-5EDE-51ED-561B-6C2612F3B626}"/>
               </a:ext>
             </a:extLst>
           </p:cNvPr>
@@ -1846,7 +1846,7 @@
           <p:cNvPr id="9" name="灯片编号占位符 8">
             <a:extLst>
               <a:ext uri="{FF2B5EF4-FFF2-40B4-BE49-F238E27FC236}">
-                <a16:creationId xmlns:a16="http://schemas.microsoft.com/office/drawing/2014/main" id="{04948417-1748-A689-8DBE-14E158317F2A}"/>
+                <a16:creationId xmlns:a16="http://schemas.microsoft.com/office/drawing/2014/main" id="{E0D53E47-1B51-EF3C-3462-866B5B5EC8A3}"/>
               </a:ext>
             </a:extLst>
           </p:cNvPr>
@@ -1862,7 +1862,7 @@
           <a:bodyPr/>
           <a:lstStyle/>
           <a:p>
-            <a:fld id="{5C2FA383-39DB-4C98-B8BF-CCE8E76B5090}" type="slidenum">
+            <a:fld id="{3FB960E6-0CDD-46D8-AE67-CB6705D705D2}" type="slidenum">
               <a:rPr lang="zh-CN" altLang="en-US" smtClean="0"/>
               <a:t>‹#›</a:t>
             </a:fld>
@@ -1873,7 +1873,7 @@
     </p:spTree>
     <p:extLst>
       <p:ext uri="{BB962C8B-B14F-4D97-AF65-F5344CB8AC3E}">
-        <p14:creationId xmlns:p14="http://schemas.microsoft.com/office/powerpoint/2010/main" val="1095279532"/>
+        <p14:creationId xmlns:p14="http://schemas.microsoft.com/office/powerpoint/2010/main" val="521229951"/>
       </p:ext>
     </p:extLst>
   </p:cSld>
@@ -1905,7 +1905,7 @@
           <p:cNvPr id="2" name="标题 1">
             <a:extLst>
               <a:ext uri="{FF2B5EF4-FFF2-40B4-BE49-F238E27FC236}">
-                <a16:creationId xmlns:a16="http://schemas.microsoft.com/office/drawing/2014/main" id="{238D2511-C179-A3A1-3664-8E7C80651818}"/>
+                <a16:creationId xmlns:a16="http://schemas.microsoft.com/office/drawing/2014/main" id="{08BF80AA-892E-6807-3EE8-A88620C3469C}"/>
               </a:ext>
             </a:extLst>
           </p:cNvPr>
@@ -1933,7 +1933,7 @@
           <p:cNvPr id="3" name="日期占位符 2">
             <a:extLst>
               <a:ext uri="{FF2B5EF4-FFF2-40B4-BE49-F238E27FC236}">
-                <a16:creationId xmlns:a16="http://schemas.microsoft.com/office/drawing/2014/main" id="{F8E9A682-EFB6-A115-690F-4B6CEB5E1703}"/>
+                <a16:creationId xmlns:a16="http://schemas.microsoft.com/office/drawing/2014/main" id="{D0698577-F6A3-E886-145C-F82D9163F8B0}"/>
               </a:ext>
             </a:extLst>
           </p:cNvPr>
@@ -1949,7 +1949,7 @@
           <a:bodyPr/>
           <a:lstStyle/>
           <a:p>
-            <a:fld id="{64547A07-EC27-4319-B5CE-337548A4D93F}" type="datetimeFigureOut">
+            <a:fld id="{C04C7DDE-9E59-46CF-81B9-DEEAE282799D}" type="datetimeFigureOut">
               <a:rPr lang="zh-CN" altLang="en-US" smtClean="0"/>
               <a:t>2024/3/10</a:t>
             </a:fld>
@@ -1962,7 +1962,7 @@
           <p:cNvPr id="4" name="页脚占位符 3">
             <a:extLst>
               <a:ext uri="{FF2B5EF4-FFF2-40B4-BE49-F238E27FC236}">
-                <a16:creationId xmlns:a16="http://schemas.microsoft.com/office/drawing/2014/main" id="{E534F501-3FF6-4043-564B-84F77303C3A0}"/>
+                <a16:creationId xmlns:a16="http://schemas.microsoft.com/office/drawing/2014/main" id="{450C6382-4BC1-7EAB-4278-67177BBF06A2}"/>
               </a:ext>
             </a:extLst>
           </p:cNvPr>
@@ -1987,7 +1987,7 @@
           <p:cNvPr id="5" name="灯片编号占位符 4">
             <a:extLst>
               <a:ext uri="{FF2B5EF4-FFF2-40B4-BE49-F238E27FC236}">
-                <a16:creationId xmlns:a16="http://schemas.microsoft.com/office/drawing/2014/main" id="{3D27A65F-F0A0-DE22-B026-1852D4DC6002}"/>
+                <a16:creationId xmlns:a16="http://schemas.microsoft.com/office/drawing/2014/main" id="{B4601889-FD26-D742-C1B9-8F09C7F218F4}"/>
               </a:ext>
             </a:extLst>
           </p:cNvPr>
@@ -2003,7 +2003,7 @@
           <a:bodyPr/>
           <a:lstStyle/>
           <a:p>
-            <a:fld id="{5C2FA383-39DB-4C98-B8BF-CCE8E76B5090}" type="slidenum">
+            <a:fld id="{3FB960E6-0CDD-46D8-AE67-CB6705D705D2}" type="slidenum">
               <a:rPr lang="zh-CN" altLang="en-US" smtClean="0"/>
               <a:t>‹#›</a:t>
             </a:fld>
@@ -2014,7 +2014,7 @@
     </p:spTree>
     <p:extLst>
       <p:ext uri="{BB962C8B-B14F-4D97-AF65-F5344CB8AC3E}">
-        <p14:creationId xmlns:p14="http://schemas.microsoft.com/office/powerpoint/2010/main" val="2384245669"/>
+        <p14:creationId xmlns:p14="http://schemas.microsoft.com/office/powerpoint/2010/main" val="3932109122"/>
       </p:ext>
     </p:extLst>
   </p:cSld>
@@ -2046,7 +2046,7 @@
           <p:cNvPr id="2" name="日期占位符 1">
             <a:extLst>
               <a:ext uri="{FF2B5EF4-FFF2-40B4-BE49-F238E27FC236}">
-                <a16:creationId xmlns:a16="http://schemas.microsoft.com/office/drawing/2014/main" id="{C5713036-F5A5-CA39-6A6C-22B53637D3C0}"/>
+                <a16:creationId xmlns:a16="http://schemas.microsoft.com/office/drawing/2014/main" id="{2A137F23-5EDC-DE4C-0ABF-88D08B69F0FA}"/>
               </a:ext>
             </a:extLst>
           </p:cNvPr>
@@ -2062,7 +2062,7 @@
           <a:bodyPr/>
           <a:lstStyle/>
           <a:p>
-            <a:fld id="{64547A07-EC27-4319-B5CE-337548A4D93F}" type="datetimeFigureOut">
+            <a:fld id="{C04C7DDE-9E59-46CF-81B9-DEEAE282799D}" type="datetimeFigureOut">
               <a:rPr lang="zh-CN" altLang="en-US" smtClean="0"/>
               <a:t>2024/3/10</a:t>
             </a:fld>
@@ -2075,7 +2075,7 @@
           <p:cNvPr id="3" name="页脚占位符 2">
             <a:extLst>
               <a:ext uri="{FF2B5EF4-FFF2-40B4-BE49-F238E27FC236}">
-                <a16:creationId xmlns:a16="http://schemas.microsoft.com/office/drawing/2014/main" id="{3B1B8EFD-CBAE-EBB5-2CE1-34E84CDFC70A}"/>
+                <a16:creationId xmlns:a16="http://schemas.microsoft.com/office/drawing/2014/main" id="{B0A793F2-F49C-08F5-00BC-EDE1E7530B4B}"/>
               </a:ext>
             </a:extLst>
           </p:cNvPr>
@@ -2100,7 +2100,7 @@
           <p:cNvPr id="4" name="灯片编号占位符 3">
             <a:extLst>
               <a:ext uri="{FF2B5EF4-FFF2-40B4-BE49-F238E27FC236}">
-                <a16:creationId xmlns:a16="http://schemas.microsoft.com/office/drawing/2014/main" id="{FFD7E31C-A9D3-7D7D-0374-9CDA4B34C3B9}"/>
+                <a16:creationId xmlns:a16="http://schemas.microsoft.com/office/drawing/2014/main" id="{230FC3C8-1E44-772D-9EB1-8CD3A3D314BB}"/>
               </a:ext>
             </a:extLst>
           </p:cNvPr>
@@ -2116,7 +2116,7 @@
           <a:bodyPr/>
           <a:lstStyle/>
           <a:p>
-            <a:fld id="{5C2FA383-39DB-4C98-B8BF-CCE8E76B5090}" type="slidenum">
+            <a:fld id="{3FB960E6-0CDD-46D8-AE67-CB6705D705D2}" type="slidenum">
               <a:rPr lang="zh-CN" altLang="en-US" smtClean="0"/>
               <a:t>‹#›</a:t>
             </a:fld>
@@ -2127,7 +2127,7 @@
     </p:spTree>
     <p:extLst>
       <p:ext uri="{BB962C8B-B14F-4D97-AF65-F5344CB8AC3E}">
-        <p14:creationId xmlns:p14="http://schemas.microsoft.com/office/powerpoint/2010/main" val="999071104"/>
+        <p14:creationId xmlns:p14="http://schemas.microsoft.com/office/powerpoint/2010/main" val="143898043"/>
       </p:ext>
     </p:extLst>
   </p:cSld>
@@ -2159,7 +2159,7 @@
           <p:cNvPr id="2" name="标题 1">
             <a:extLst>
               <a:ext uri="{FF2B5EF4-FFF2-40B4-BE49-F238E27FC236}">
-                <a16:creationId xmlns:a16="http://schemas.microsoft.com/office/drawing/2014/main" id="{6BD46A65-9E3E-1791-A665-5B99DC99F53C}"/>
+                <a16:creationId xmlns:a16="http://schemas.microsoft.com/office/drawing/2014/main" id="{7D4ABF4C-D52B-119F-3B56-962CC7822136}"/>
               </a:ext>
             </a:extLst>
           </p:cNvPr>
@@ -2196,7 +2196,7 @@
           <p:cNvPr id="3" name="内容占位符 2">
             <a:extLst>
               <a:ext uri="{FF2B5EF4-FFF2-40B4-BE49-F238E27FC236}">
-                <a16:creationId xmlns:a16="http://schemas.microsoft.com/office/drawing/2014/main" id="{9420D3A0-366B-F7DB-059C-43E23EB0B48B}"/>
+                <a16:creationId xmlns:a16="http://schemas.microsoft.com/office/drawing/2014/main" id="{00DCEE0B-D24E-2508-F07C-81E70C0169EB}"/>
               </a:ext>
             </a:extLst>
           </p:cNvPr>
@@ -2286,7 +2286,7 @@
           <p:cNvPr id="4" name="文本占位符 3">
             <a:extLst>
               <a:ext uri="{FF2B5EF4-FFF2-40B4-BE49-F238E27FC236}">
-                <a16:creationId xmlns:a16="http://schemas.microsoft.com/office/drawing/2014/main" id="{A4F36C4E-8A23-4912-CF78-33E2F9411570}"/>
+                <a16:creationId xmlns:a16="http://schemas.microsoft.com/office/drawing/2014/main" id="{95A02D51-86A3-7A66-87F5-41DEEDFFE9C2}"/>
               </a:ext>
             </a:extLst>
           </p:cNvPr>
@@ -2357,7 +2357,7 @@
           <p:cNvPr id="5" name="日期占位符 4">
             <a:extLst>
               <a:ext uri="{FF2B5EF4-FFF2-40B4-BE49-F238E27FC236}">
-                <a16:creationId xmlns:a16="http://schemas.microsoft.com/office/drawing/2014/main" id="{E624D31E-D7CC-A268-09F0-4C794A00ABFD}"/>
+                <a16:creationId xmlns:a16="http://schemas.microsoft.com/office/drawing/2014/main" id="{4022B38B-750E-420D-8A1D-BFFD77E500D8}"/>
               </a:ext>
             </a:extLst>
           </p:cNvPr>
@@ -2373,7 +2373,7 @@
           <a:bodyPr/>
           <a:lstStyle/>
           <a:p>
-            <a:fld id="{64547A07-EC27-4319-B5CE-337548A4D93F}" type="datetimeFigureOut">
+            <a:fld id="{C04C7DDE-9E59-46CF-81B9-DEEAE282799D}" type="datetimeFigureOut">
               <a:rPr lang="zh-CN" altLang="en-US" smtClean="0"/>
               <a:t>2024/3/10</a:t>
             </a:fld>
@@ -2386,7 +2386,7 @@
           <p:cNvPr id="6" name="页脚占位符 5">
             <a:extLst>
               <a:ext uri="{FF2B5EF4-FFF2-40B4-BE49-F238E27FC236}">
-                <a16:creationId xmlns:a16="http://schemas.microsoft.com/office/drawing/2014/main" id="{7D6C8B9F-F1B9-0FD7-B6F1-A80358DEFBAF}"/>
+                <a16:creationId xmlns:a16="http://schemas.microsoft.com/office/drawing/2014/main" id="{9F1E6EB2-49F0-B75A-564E-F1049FE1376F}"/>
               </a:ext>
             </a:extLst>
           </p:cNvPr>
@@ -2411,7 +2411,7 @@
           <p:cNvPr id="7" name="灯片编号占位符 6">
             <a:extLst>
               <a:ext uri="{FF2B5EF4-FFF2-40B4-BE49-F238E27FC236}">
-                <a16:creationId xmlns:a16="http://schemas.microsoft.com/office/drawing/2014/main" id="{ACB68F30-AFD5-BCA0-E9BE-A815BCA18A56}"/>
+                <a16:creationId xmlns:a16="http://schemas.microsoft.com/office/drawing/2014/main" id="{685AAC0D-8188-6D4D-6CA1-B632CF69005C}"/>
               </a:ext>
             </a:extLst>
           </p:cNvPr>
@@ -2427,7 +2427,7 @@
           <a:bodyPr/>
           <a:lstStyle/>
           <a:p>
-            <a:fld id="{5C2FA383-39DB-4C98-B8BF-CCE8E76B5090}" type="slidenum">
+            <a:fld id="{3FB960E6-0CDD-46D8-AE67-CB6705D705D2}" type="slidenum">
               <a:rPr lang="zh-CN" altLang="en-US" smtClean="0"/>
               <a:t>‹#›</a:t>
             </a:fld>
@@ -2438,7 +2438,7 @@
     </p:spTree>
     <p:extLst>
       <p:ext uri="{BB962C8B-B14F-4D97-AF65-F5344CB8AC3E}">
-        <p14:creationId xmlns:p14="http://schemas.microsoft.com/office/powerpoint/2010/main" val="2362703797"/>
+        <p14:creationId xmlns:p14="http://schemas.microsoft.com/office/powerpoint/2010/main" val="3145159602"/>
       </p:ext>
     </p:extLst>
   </p:cSld>
@@ -2470,7 +2470,7 @@
           <p:cNvPr id="2" name="标题 1">
             <a:extLst>
               <a:ext uri="{FF2B5EF4-FFF2-40B4-BE49-F238E27FC236}">
-                <a16:creationId xmlns:a16="http://schemas.microsoft.com/office/drawing/2014/main" id="{A49A6820-A6A6-6053-0D87-D5FC1EE31A04}"/>
+                <a16:creationId xmlns:a16="http://schemas.microsoft.com/office/drawing/2014/main" id="{45DF05CE-D19F-93E5-81C0-6480F6F9F517}"/>
               </a:ext>
             </a:extLst>
           </p:cNvPr>
@@ -2507,7 +2507,7 @@
           <p:cNvPr id="3" name="图片占位符 2">
             <a:extLst>
               <a:ext uri="{FF2B5EF4-FFF2-40B4-BE49-F238E27FC236}">
-                <a16:creationId xmlns:a16="http://schemas.microsoft.com/office/drawing/2014/main" id="{EF1AF915-1912-F600-3F39-823397F7AF53}"/>
+                <a16:creationId xmlns:a16="http://schemas.microsoft.com/office/drawing/2014/main" id="{4C798B61-149A-BE57-3F47-84BCD357B70F}"/>
               </a:ext>
             </a:extLst>
           </p:cNvPr>
@@ -2574,7 +2574,7 @@
           <p:cNvPr id="4" name="文本占位符 3">
             <a:extLst>
               <a:ext uri="{FF2B5EF4-FFF2-40B4-BE49-F238E27FC236}">
-                <a16:creationId xmlns:a16="http://schemas.microsoft.com/office/drawing/2014/main" id="{9FB1040A-36A9-9889-E22B-766DA2E33679}"/>
+                <a16:creationId xmlns:a16="http://schemas.microsoft.com/office/drawing/2014/main" id="{9EC11D06-C00F-F39A-C9DC-A3AC31319712}"/>
               </a:ext>
             </a:extLst>
           </p:cNvPr>
@@ -2645,7 +2645,7 @@
           <p:cNvPr id="5" name="日期占位符 4">
             <a:extLst>
               <a:ext uri="{FF2B5EF4-FFF2-40B4-BE49-F238E27FC236}">
-                <a16:creationId xmlns:a16="http://schemas.microsoft.com/office/drawing/2014/main" id="{B1AAD2ED-25D3-5CBD-538A-3A5ABA6D3767}"/>
+                <a16:creationId xmlns:a16="http://schemas.microsoft.com/office/drawing/2014/main" id="{246A6679-3237-C755-2655-F440A614FA03}"/>
               </a:ext>
             </a:extLst>
           </p:cNvPr>
@@ -2661,7 +2661,7 @@
           <a:bodyPr/>
           <a:lstStyle/>
           <a:p>
-            <a:fld id="{64547A07-EC27-4319-B5CE-337548A4D93F}" type="datetimeFigureOut">
+            <a:fld id="{C04C7DDE-9E59-46CF-81B9-DEEAE282799D}" type="datetimeFigureOut">
               <a:rPr lang="zh-CN" altLang="en-US" smtClean="0"/>
               <a:t>2024/3/10</a:t>
             </a:fld>
@@ -2674,7 +2674,7 @@
           <p:cNvPr id="6" name="页脚占位符 5">
             <a:extLst>
               <a:ext uri="{FF2B5EF4-FFF2-40B4-BE49-F238E27FC236}">
-                <a16:creationId xmlns:a16="http://schemas.microsoft.com/office/drawing/2014/main" id="{B0FE698B-0243-DCAA-C5D8-A34094926346}"/>
+                <a16:creationId xmlns:a16="http://schemas.microsoft.com/office/drawing/2014/main" id="{2FD89C4C-DEA2-56F0-BBC4-2AF01DD4BD7A}"/>
               </a:ext>
             </a:extLst>
           </p:cNvPr>
@@ -2699,7 +2699,7 @@
           <p:cNvPr id="7" name="灯片编号占位符 6">
             <a:extLst>
               <a:ext uri="{FF2B5EF4-FFF2-40B4-BE49-F238E27FC236}">
-                <a16:creationId xmlns:a16="http://schemas.microsoft.com/office/drawing/2014/main" id="{1D58AEC0-48AF-4223-4DFB-E45A3C9586D1}"/>
+                <a16:creationId xmlns:a16="http://schemas.microsoft.com/office/drawing/2014/main" id="{448A6565-E963-FC36-DBFD-D9FCBCE905D7}"/>
               </a:ext>
             </a:extLst>
           </p:cNvPr>
@@ -2715,7 +2715,7 @@
           <a:bodyPr/>
           <a:lstStyle/>
           <a:p>
-            <a:fld id="{5C2FA383-39DB-4C98-B8BF-CCE8E76B5090}" type="slidenum">
+            <a:fld id="{3FB960E6-0CDD-46D8-AE67-CB6705D705D2}" type="slidenum">
               <a:rPr lang="zh-CN" altLang="en-US" smtClean="0"/>
               <a:t>‹#›</a:t>
             </a:fld>
@@ -2726,7 +2726,7 @@
     </p:spTree>
     <p:extLst>
       <p:ext uri="{BB962C8B-B14F-4D97-AF65-F5344CB8AC3E}">
-        <p14:creationId xmlns:p14="http://schemas.microsoft.com/office/powerpoint/2010/main" val="3185057572"/>
+        <p14:creationId xmlns:p14="http://schemas.microsoft.com/office/powerpoint/2010/main" val="2533147695"/>
       </p:ext>
     </p:extLst>
   </p:cSld>
@@ -2763,7 +2763,7 @@
           <p:cNvPr id="2" name="标题占位符 1">
             <a:extLst>
               <a:ext uri="{FF2B5EF4-FFF2-40B4-BE49-F238E27FC236}">
-                <a16:creationId xmlns:a16="http://schemas.microsoft.com/office/drawing/2014/main" id="{F59E166B-F571-30E8-0C32-C46A79A7FB1E}"/>
+                <a16:creationId xmlns:a16="http://schemas.microsoft.com/office/drawing/2014/main" id="{93345024-60C4-32D4-D081-9D1029F1A063}"/>
               </a:ext>
             </a:extLst>
           </p:cNvPr>
@@ -2801,7 +2801,7 @@
           <p:cNvPr id="3" name="文本占位符 2">
             <a:extLst>
               <a:ext uri="{FF2B5EF4-FFF2-40B4-BE49-F238E27FC236}">
-                <a16:creationId xmlns:a16="http://schemas.microsoft.com/office/drawing/2014/main" id="{67DB565D-9672-0A10-BDB8-CCD16CDC1B8D}"/>
+                <a16:creationId xmlns:a16="http://schemas.microsoft.com/office/drawing/2014/main" id="{348A4951-1299-06C1-EF6C-A3F473812366}"/>
               </a:ext>
             </a:extLst>
           </p:cNvPr>
@@ -2868,7 +2868,7 @@
           <p:cNvPr id="4" name="日期占位符 3">
             <a:extLst>
               <a:ext uri="{FF2B5EF4-FFF2-40B4-BE49-F238E27FC236}">
-                <a16:creationId xmlns:a16="http://schemas.microsoft.com/office/drawing/2014/main" id="{0D9E6D4E-60FC-CFB9-2CB9-D70513DD7991}"/>
+                <a16:creationId xmlns:a16="http://schemas.microsoft.com/office/drawing/2014/main" id="{E1120F7F-A4C4-D2D6-7DC9-85ABB7DEB28B}"/>
               </a:ext>
             </a:extLst>
           </p:cNvPr>
@@ -2902,7 +2902,7 @@
             </a:lvl1pPr>
           </a:lstStyle>
           <a:p>
-            <a:fld id="{64547A07-EC27-4319-B5CE-337548A4D93F}" type="datetimeFigureOut">
+            <a:fld id="{C04C7DDE-9E59-46CF-81B9-DEEAE282799D}" type="datetimeFigureOut">
               <a:rPr lang="zh-CN" altLang="en-US" smtClean="0"/>
               <a:t>2024/3/10</a:t>
             </a:fld>
@@ -2915,7 +2915,7 @@
           <p:cNvPr id="5" name="页脚占位符 4">
             <a:extLst>
               <a:ext uri="{FF2B5EF4-FFF2-40B4-BE49-F238E27FC236}">
-                <a16:creationId xmlns:a16="http://schemas.microsoft.com/office/drawing/2014/main" id="{11B26DB7-2771-FE6A-CE84-BFDAD311D72A}"/>
+                <a16:creationId xmlns:a16="http://schemas.microsoft.com/office/drawing/2014/main" id="{BF918419-EF06-CB27-3BDC-FA72881BA3EF}"/>
               </a:ext>
             </a:extLst>
           </p:cNvPr>
@@ -2958,7 +2958,7 @@
           <p:cNvPr id="6" name="灯片编号占位符 5">
             <a:extLst>
               <a:ext uri="{FF2B5EF4-FFF2-40B4-BE49-F238E27FC236}">
-                <a16:creationId xmlns:a16="http://schemas.microsoft.com/office/drawing/2014/main" id="{264A23EA-7530-FAAF-2155-03A4858B56F4}"/>
+                <a16:creationId xmlns:a16="http://schemas.microsoft.com/office/drawing/2014/main" id="{F7BB1F82-724E-0BC9-B1E9-A79CB45121BD}"/>
               </a:ext>
             </a:extLst>
           </p:cNvPr>
@@ -2992,7 +2992,7 @@
             </a:lvl1pPr>
           </a:lstStyle>
           <a:p>
-            <a:fld id="{5C2FA383-39DB-4C98-B8BF-CCE8E76B5090}" type="slidenum">
+            <a:fld id="{3FB960E6-0CDD-46D8-AE67-CB6705D705D2}" type="slidenum">
               <a:rPr lang="zh-CN" altLang="en-US" smtClean="0"/>
               <a:t>‹#›</a:t>
             </a:fld>
@@ -3003,7 +3003,7 @@
     </p:spTree>
     <p:extLst>
       <p:ext uri="{BB962C8B-B14F-4D97-AF65-F5344CB8AC3E}">
-        <p14:creationId xmlns:p14="http://schemas.microsoft.com/office/powerpoint/2010/main" val="3961252872"/>
+        <p14:creationId xmlns:p14="http://schemas.microsoft.com/office/powerpoint/2010/main" val="3429617867"/>
       </p:ext>
     </p:extLst>
   </p:cSld>
@@ -3323,7 +3323,7 @@
       </p:grpSpPr>
       <p:pic>
         <p:nvPicPr>
-          <p:cNvPr id="661506" name="Picture 2" descr="645"/>
+          <p:cNvPr id="662530" name="Picture 2" descr="646"/>
           <p:cNvPicPr>
             <a:picLocks noChangeAspect="1" noChangeArrowheads="1"/>
           </p:cNvPicPr>
